--- a/EMAZEMI.pptx
+++ b/EMAZEMI.pptx
@@ -5,14 +5,16 @@
     <p:sldMasterId id="2147483690" r:id="rId1"/>
   </p:sldMasterIdLst>
   <p:notesMasterIdLst>
-    <p:notesMasterId r:id="rId7"/>
+    <p:notesMasterId r:id="rId9"/>
   </p:notesMasterIdLst>
   <p:sldIdLst>
     <p:sldId id="256" r:id="rId2"/>
     <p:sldId id="261" r:id="rId3"/>
     <p:sldId id="258" r:id="rId4"/>
-    <p:sldId id="260" r:id="rId5"/>
-    <p:sldId id="259" r:id="rId6"/>
+    <p:sldId id="262" r:id="rId5"/>
+    <p:sldId id="260" r:id="rId6"/>
+    <p:sldId id="259" r:id="rId7"/>
+    <p:sldId id="263" r:id="rId8"/>
   </p:sldIdLst>
   <p:sldSz cx="12192000" cy="6858000"/>
   <p:notesSz cx="6858000" cy="9144000"/>
@@ -115,6 +117,9 @@
     <p:ext uri="{EFAFB233-063F-42B5-8137-9DF3F51BA10A}">
       <p15:sldGuideLst xmlns:p15="http://schemas.microsoft.com/office/powerpoint/2012/main"/>
     </p:ext>
+    <p:ext uri="{2D200454-40CA-4A62-9FC3-DE9A4176ACB9}">
+      <p15:notesGuideLst xmlns:p15="http://schemas.microsoft.com/office/powerpoint/2012/main"/>
+    </p:ext>
   </p:extLst>
 </p:presentation>
 </file>
@@ -129,20 +134,6 @@
     </p:extLst>
   </p:cmAuthor>
 </p:cmAuthorLst>
-</file>
-
-<file path=ppt/comments/comment1.xml><?xml version="1.0" encoding="utf-8"?>
-<p:cmLst xmlns:a="http://schemas.openxmlformats.org/drawingml/2006/main" xmlns:r="http://schemas.openxmlformats.org/officeDocument/2006/relationships" xmlns:p="http://schemas.openxmlformats.org/presentationml/2006/main">
-  <p:cm authorId="1" dt="2018-06-15T10:57:42.851" idx="3">
-    <p:pos x="10" y="10"/>
-    <p:text>高校生から大学生が主</p:text>
-    <p:extLst>
-      <p:ext uri="{C676402C-5697-4E1C-873F-D02D1690AC5C}">
-        <p15:threadingInfo xmlns:p15="http://schemas.microsoft.com/office/powerpoint/2012/main" timeZoneBias="-540"/>
-      </p:ext>
-    </p:extLst>
-  </p:cm>
-</p:cmLst>
 </file>
 
 <file path=ppt/notesMasters/notesMaster1.xml><?xml version="1.0" encoding="utf-8"?>
@@ -227,7 +218,7 @@
           <a:p>
             <a:fld id="{92D3194F-742E-4C7A-9706-1E3CECA8A08C}" type="datetimeFigureOut">
               <a:rPr kumimoji="1" lang="ja-JP" altLang="en-US" smtClean="0"/>
-              <a:t>2018/6/15</a:t>
+              <a:t>2018/6/18</a:t>
             </a:fld>
             <a:endParaRPr kumimoji="1" lang="ja-JP" altLang="en-US"/>
           </a:p>
@@ -864,7 +855,7 @@
           <a:p>
             <a:fld id="{98674F6B-CB0A-4859-A6CE-1646392E940C}" type="slidenum">
               <a:rPr kumimoji="1" lang="ja-JP" altLang="en-US" smtClean="0"/>
-              <a:t>4</a:t>
+              <a:t>5</a:t>
             </a:fld>
             <a:endParaRPr kumimoji="1" lang="ja-JP" altLang="en-US"/>
           </a:p>
@@ -948,7 +939,7 @@
           <a:p>
             <a:fld id="{98674F6B-CB0A-4859-A6CE-1646392E940C}" type="slidenum">
               <a:rPr kumimoji="1" lang="ja-JP" altLang="en-US" smtClean="0"/>
-              <a:t>5</a:t>
+              <a:t>6</a:t>
             </a:fld>
             <a:endParaRPr kumimoji="1" lang="ja-JP" altLang="en-US"/>
           </a:p>
@@ -1212,7 +1203,7 @@
           <a:p>
             <a:fld id="{225DBA83-E45B-4501-9620-4DF4EA7ED058}" type="datetimeFigureOut">
               <a:rPr kumimoji="1" lang="ja-JP" altLang="en-US" smtClean="0"/>
-              <a:t>2018/6/15</a:t>
+              <a:t>2018/6/18</a:t>
             </a:fld>
             <a:endParaRPr kumimoji="1" lang="ja-JP" altLang="en-US"/>
           </a:p>
@@ -1506,7 +1497,7 @@
           <a:p>
             <a:fld id="{225DBA83-E45B-4501-9620-4DF4EA7ED058}" type="datetimeFigureOut">
               <a:rPr kumimoji="1" lang="ja-JP" altLang="en-US" smtClean="0"/>
-              <a:t>2018/6/15</a:t>
+              <a:t>2018/6/18</a:t>
             </a:fld>
             <a:endParaRPr kumimoji="1" lang="ja-JP" altLang="en-US"/>
           </a:p>
@@ -1773,7 +1764,7 @@
           <a:p>
             <a:fld id="{225DBA83-E45B-4501-9620-4DF4EA7ED058}" type="datetimeFigureOut">
               <a:rPr kumimoji="1" lang="ja-JP" altLang="en-US" smtClean="0"/>
-              <a:t>2018/6/15</a:t>
+              <a:t>2018/6/18</a:t>
             </a:fld>
             <a:endParaRPr kumimoji="1" lang="ja-JP" altLang="en-US"/>
           </a:p>
@@ -2045,7 +2036,7 @@
           <a:p>
             <a:fld id="{225DBA83-E45B-4501-9620-4DF4EA7ED058}" type="datetimeFigureOut">
               <a:rPr kumimoji="1" lang="ja-JP" altLang="en-US" smtClean="0"/>
-              <a:t>2018/6/15</a:t>
+              <a:t>2018/6/18</a:t>
             </a:fld>
             <a:endParaRPr kumimoji="1" lang="ja-JP" altLang="en-US"/>
           </a:p>
@@ -2352,7 +2343,7 @@
           <a:p>
             <a:fld id="{225DBA83-E45B-4501-9620-4DF4EA7ED058}" type="datetimeFigureOut">
               <a:rPr kumimoji="1" lang="ja-JP" altLang="en-US" smtClean="0"/>
-              <a:t>2018/6/15</a:t>
+              <a:t>2018/6/18</a:t>
             </a:fld>
             <a:endParaRPr kumimoji="1" lang="ja-JP" altLang="en-US"/>
           </a:p>
@@ -2718,7 +2709,7 @@
           <a:p>
             <a:fld id="{225DBA83-E45B-4501-9620-4DF4EA7ED058}" type="datetimeFigureOut">
               <a:rPr kumimoji="1" lang="ja-JP" altLang="en-US" smtClean="0"/>
-              <a:t>2018/6/15</a:t>
+              <a:t>2018/6/18</a:t>
             </a:fld>
             <a:endParaRPr kumimoji="1" lang="ja-JP" altLang="en-US"/>
           </a:p>
@@ -3204,7 +3195,7 @@
           <a:p>
             <a:fld id="{225DBA83-E45B-4501-9620-4DF4EA7ED058}" type="datetimeFigureOut">
               <a:rPr kumimoji="1" lang="ja-JP" altLang="en-US" smtClean="0"/>
-              <a:t>2018/6/15</a:t>
+              <a:t>2018/6/18</a:t>
             </a:fld>
             <a:endParaRPr kumimoji="1" lang="ja-JP" altLang="en-US"/>
           </a:p>
@@ -3366,7 +3357,7 @@
           <a:p>
             <a:fld id="{225DBA83-E45B-4501-9620-4DF4EA7ED058}" type="datetimeFigureOut">
               <a:rPr kumimoji="1" lang="ja-JP" altLang="en-US" smtClean="0"/>
-              <a:t>2018/6/15</a:t>
+              <a:t>2018/6/18</a:t>
             </a:fld>
             <a:endParaRPr kumimoji="1" lang="ja-JP" altLang="en-US"/>
           </a:p>
@@ -3461,7 +3452,7 @@
           <a:p>
             <a:fld id="{225DBA83-E45B-4501-9620-4DF4EA7ED058}" type="datetimeFigureOut">
               <a:rPr kumimoji="1" lang="ja-JP" altLang="en-US" smtClean="0"/>
-              <a:t>2018/6/15</a:t>
+              <a:t>2018/6/18</a:t>
             </a:fld>
             <a:endParaRPr kumimoji="1" lang="ja-JP" altLang="en-US"/>
           </a:p>
@@ -3871,7 +3862,7 @@
           <a:p>
             <a:fld id="{225DBA83-E45B-4501-9620-4DF4EA7ED058}" type="datetimeFigureOut">
               <a:rPr kumimoji="1" lang="ja-JP" altLang="en-US" smtClean="0"/>
-              <a:t>2018/6/15</a:t>
+              <a:t>2018/6/18</a:t>
             </a:fld>
             <a:endParaRPr kumimoji="1" lang="ja-JP" altLang="en-US"/>
           </a:p>
@@ -4160,7 +4151,7 @@
           <a:p>
             <a:fld id="{225DBA83-E45B-4501-9620-4DF4EA7ED058}" type="datetimeFigureOut">
               <a:rPr kumimoji="1" lang="ja-JP" altLang="en-US" smtClean="0"/>
-              <a:t>2018/6/15</a:t>
+              <a:t>2018/6/18</a:t>
             </a:fld>
             <a:endParaRPr kumimoji="1" lang="ja-JP" altLang="en-US"/>
           </a:p>
@@ -4403,7 +4394,7 @@
           <a:p>
             <a:fld id="{225DBA83-E45B-4501-9620-4DF4EA7ED058}" type="datetimeFigureOut">
               <a:rPr kumimoji="1" lang="ja-JP" altLang="en-US" smtClean="0"/>
-              <a:t>2018/6/15</a:t>
+              <a:t>2018/6/18</a:t>
             </a:fld>
             <a:endParaRPr kumimoji="1" lang="ja-JP" altLang="en-US"/>
           </a:p>
@@ -5072,11 +5063,11 @@
   <p:clrMapOvr>
     <a:masterClrMapping/>
   </p:clrMapOvr>
-  <mc:AlternateContent xmlns:mc="http://schemas.openxmlformats.org/markup-compatibility/2006">
-    <mc:Choice xmlns:p14="http://schemas.microsoft.com/office/powerpoint/2010/main" Requires="p14">
+  <mc:AlternateContent xmlns:mc="http://schemas.openxmlformats.org/markup-compatibility/2006" xmlns:p14="http://schemas.microsoft.com/office/powerpoint/2010/main">
+    <mc:Choice Requires="p14">
       <p:transition spd="slow" p14:dur="2000" advTm="2070"/>
     </mc:Choice>
-    <mc:Fallback>
+    <mc:Fallback xmlns="">
       <p:transition spd="slow" advTm="2070"/>
     </mc:Fallback>
   </mc:AlternateContent>
@@ -5297,11 +5288,11 @@
   <p:clrMapOvr>
     <a:masterClrMapping/>
   </p:clrMapOvr>
-  <mc:AlternateContent xmlns:mc="http://schemas.openxmlformats.org/markup-compatibility/2006">
-    <mc:Choice xmlns:p14="http://schemas.microsoft.com/office/powerpoint/2010/main" Requires="p14">
+  <mc:AlternateContent xmlns:mc="http://schemas.openxmlformats.org/markup-compatibility/2006" xmlns:p14="http://schemas.microsoft.com/office/powerpoint/2010/main">
+    <mc:Choice Requires="p14">
       <p:transition spd="slow" p14:dur="2000" advTm="551"/>
     </mc:Choice>
-    <mc:Fallback>
+    <mc:Fallback xmlns="">
       <p:transition spd="slow" advTm="551"/>
     </mc:Fallback>
   </mc:AlternateContent>
@@ -5355,34 +5346,6 @@
       </p:sp>
       <p:sp>
         <p:nvSpPr>
-          <p:cNvPr id="5" name="テキスト プレースホルダー 4">
-            <a:extLst>
-              <a:ext uri="{FF2B5EF4-FFF2-40B4-BE49-F238E27FC236}">
-                <a16:creationId xmlns:a16="http://schemas.microsoft.com/office/drawing/2014/main" id="{89D074CB-7968-4F65-B0CE-A37E84058A76}"/>
-              </a:ext>
-            </a:extLst>
-          </p:cNvPr>
-          <p:cNvSpPr>
-            <a:spLocks noGrp="1"/>
-          </p:cNvSpPr>
-          <p:nvPr>
-            <p:ph type="body" idx="1"/>
-          </p:nvPr>
-        </p:nvSpPr>
-        <p:spPr/>
-        <p:txBody>
-          <a:bodyPr/>
-          <a:lstStyle/>
-          <a:p>
-            <a:r>
-              <a:rPr kumimoji="1" lang="ja-JP" altLang="en-US" dirty="0"/>
-              <a:t>現状の問題</a:t>
-            </a:r>
-          </a:p>
-        </p:txBody>
-      </p:sp>
-      <p:sp>
-        <p:nvSpPr>
           <p:cNvPr id="3" name="コンテンツ プレースホルダー 2">
             <a:extLst>
               <a:ext uri="{FF2B5EF4-FFF2-40B4-BE49-F238E27FC236}">
@@ -5394,7 +5357,7 @@
             <a:spLocks noGrp="1"/>
           </p:cNvSpPr>
           <p:nvPr>
-            <p:ph sz="half" idx="2"/>
+            <p:ph idx="1"/>
           </p:nvPr>
         </p:nvSpPr>
         <p:spPr/>
@@ -5441,34 +5404,6 @@
               <a:t>講師によって差が激しい。</a:t>
             </a:r>
             <a:endParaRPr lang="en-US" altLang="ja-JP" dirty="0"/>
-          </a:p>
-        </p:txBody>
-      </p:sp>
-      <p:sp>
-        <p:nvSpPr>
-          <p:cNvPr id="6" name="テキスト プレースホルダー 5">
-            <a:extLst>
-              <a:ext uri="{FF2B5EF4-FFF2-40B4-BE49-F238E27FC236}">
-                <a16:creationId xmlns:a16="http://schemas.microsoft.com/office/drawing/2014/main" id="{0653BED4-69CB-425D-9156-A18E2476371C}"/>
-              </a:ext>
-            </a:extLst>
-          </p:cNvPr>
-          <p:cNvSpPr>
-            <a:spLocks noGrp="1"/>
-          </p:cNvSpPr>
-          <p:nvPr>
-            <p:ph type="body" sz="quarter" idx="3"/>
-          </p:nvPr>
-        </p:nvSpPr>
-        <p:spPr/>
-        <p:txBody>
-          <a:bodyPr/>
-          <a:lstStyle/>
-          <a:p>
-            <a:r>
-              <a:rPr kumimoji="1" lang="ja-JP" altLang="en-US" dirty="0"/>
-              <a:t>解決案</a:t>
-            </a:r>
           </a:p>
         </p:txBody>
       </p:sp>
@@ -5485,10 +5420,15 @@
             <a:spLocks noGrp="1"/>
           </p:cNvSpPr>
           <p:nvPr>
-            <p:ph sz="quarter" idx="4"/>
-          </p:nvPr>
-        </p:nvSpPr>
-        <p:spPr/>
+            <p:ph sz="quarter" idx="4294967295"/>
+          </p:nvPr>
+        </p:nvSpPr>
+        <p:spPr>
+          <a:xfrm>
+            <a:off x="6799263" y="2925763"/>
+            <a:ext cx="5392737" cy="2935287"/>
+          </a:xfrm>
+        </p:spPr>
         <p:txBody>
           <a:bodyPr/>
           <a:lstStyle/>
@@ -5499,29 +5439,7 @@
             <a:endParaRPr kumimoji="1" lang="en-US" altLang="ja-JP" dirty="0"/>
           </a:p>
           <a:p>
-            <a:r>
-              <a:rPr lang="ja-JP" altLang="en-US" dirty="0"/>
-              <a:t>セミナーを</a:t>
-            </a:r>
-            <a:r>
-              <a:rPr kumimoji="1" lang="ja-JP" altLang="en-US" dirty="0"/>
-              <a:t>発案できる。</a:t>
-            </a:r>
             <a:endParaRPr kumimoji="1" lang="en-US" altLang="ja-JP" dirty="0"/>
-          </a:p>
-          <a:p>
-            <a:r>
-              <a:rPr kumimoji="1" lang="ja-JP" altLang="en-US" dirty="0"/>
-              <a:t>講師を選べる。</a:t>
-            </a:r>
-            <a:endParaRPr kumimoji="1" lang="en-US" altLang="ja-JP" dirty="0"/>
-          </a:p>
-          <a:p>
-            <a:r>
-              <a:rPr lang="ja-JP" altLang="en-US" dirty="0"/>
-              <a:t>共同出資方式を利用する。</a:t>
-            </a:r>
-            <a:endParaRPr kumimoji="1" lang="ja-JP" altLang="en-US" dirty="0"/>
           </a:p>
         </p:txBody>
       </p:sp>
@@ -5535,11 +5453,11 @@
   <p:clrMapOvr>
     <a:masterClrMapping/>
   </p:clrMapOvr>
-  <mc:AlternateContent xmlns:mc="http://schemas.openxmlformats.org/markup-compatibility/2006">
-    <mc:Choice xmlns:p14="http://schemas.microsoft.com/office/powerpoint/2010/main" Requires="p14">
+  <mc:AlternateContent xmlns:mc="http://schemas.openxmlformats.org/markup-compatibility/2006" xmlns:p14="http://schemas.microsoft.com/office/powerpoint/2010/main">
+    <mc:Choice Requires="p14">
       <p:transition spd="slow" p14:dur="2000" advTm="463"/>
     </mc:Choice>
-    <mc:Fallback>
+    <mc:Fallback xmlns="">
       <p:transition spd="slow" advTm="463"/>
     </mc:Fallback>
   </mc:AlternateContent>
@@ -5568,7 +5486,7 @@
           <p:cNvPr id="2" name="タイトル 1">
             <a:extLst>
               <a:ext uri="{FF2B5EF4-FFF2-40B4-BE49-F238E27FC236}">
-                <a16:creationId xmlns:a16="http://schemas.microsoft.com/office/drawing/2014/main" id="{4C6E10F4-1B9C-4B79-BAC2-229C5B5575D2}"/>
+                <a16:creationId xmlns:a16="http://schemas.microsoft.com/office/drawing/2014/main" id="{564BB07A-788A-48FA-A975-8D3C96CC1B85}"/>
               </a:ext>
             </a:extLst>
           </p:cNvPr>
@@ -5576,7 +5494,7 @@
             <a:spLocks noGrp="1"/>
           </p:cNvSpPr>
           <p:nvPr>
-            <p:ph type="ctrTitle"/>
+            <p:ph type="title"/>
           </p:nvPr>
         </p:nvSpPr>
         <p:spPr/>
@@ -5586,17 +5504,17 @@
           <a:p>
             <a:r>
               <a:rPr kumimoji="1" lang="ja-JP" altLang="en-US" dirty="0"/>
-              <a:t>デモンストレーション</a:t>
-            </a:r>
-          </a:p>
-        </p:txBody>
-      </p:sp>
-      <p:sp>
-        <p:nvSpPr>
-          <p:cNvPr id="10" name="コンテンツ プレースホルダー 9">
+              <a:t>概要</a:t>
+            </a:r>
+          </a:p>
+        </p:txBody>
+      </p:sp>
+      <p:sp>
+        <p:nvSpPr>
+          <p:cNvPr id="3" name="コンテンツ プレースホルダー 2">
             <a:extLst>
               <a:ext uri="{FF2B5EF4-FFF2-40B4-BE49-F238E27FC236}">
-                <a16:creationId xmlns:a16="http://schemas.microsoft.com/office/drawing/2014/main" id="{3E073A2C-CDB5-420E-A467-CE5948014CB4}"/>
+                <a16:creationId xmlns:a16="http://schemas.microsoft.com/office/drawing/2014/main" id="{80DF00EF-352E-40C3-81B0-F1AA0C5EA39E}"/>
               </a:ext>
             </a:extLst>
           </p:cNvPr>
@@ -5604,7 +5522,7 @@
             <a:spLocks noGrp="1"/>
           </p:cNvSpPr>
           <p:nvPr>
-            <p:ph type="subTitle" idx="1"/>
+            <p:ph idx="1"/>
           </p:nvPr>
         </p:nvSpPr>
         <p:spPr/>
@@ -5612,34 +5530,47 @@
           <a:bodyPr/>
           <a:lstStyle/>
           <a:p>
-            <a:pPr marL="0" indent="0">
-              <a:buNone/>
-            </a:pPr>
+            <a:r>
+              <a:rPr lang="ja-JP" altLang="en-US" dirty="0"/>
+              <a:t>受講者側がセミナーを発案できる。</a:t>
+            </a:r>
             <a:endParaRPr lang="en-US" altLang="ja-JP" dirty="0"/>
           </a:p>
           <a:p>
+            <a:r>
+              <a:rPr lang="ja-JP" altLang="en-US" dirty="0"/>
+              <a:t>講師を選べる。</a:t>
+            </a:r>
             <a:endParaRPr lang="en-US" altLang="ja-JP" dirty="0"/>
+          </a:p>
+          <a:p>
+            <a:r>
+              <a:rPr lang="ja-JP" altLang="en-US" dirty="0"/>
+              <a:t>共同出資方式を利用する。</a:t>
+            </a:r>
+            <a:endParaRPr lang="en-US" altLang="ja-JP" dirty="0"/>
+          </a:p>
+          <a:p>
+            <a:r>
+              <a:rPr lang="ja-JP" altLang="en-US" dirty="0"/>
+              <a:t>受講者が日程を指定できる。</a:t>
+            </a:r>
+          </a:p>
+          <a:p>
+            <a:endParaRPr kumimoji="1" lang="ja-JP" altLang="en-US" dirty="0"/>
           </a:p>
         </p:txBody>
       </p:sp>
     </p:spTree>
     <p:extLst>
       <p:ext uri="{BB962C8B-B14F-4D97-AF65-F5344CB8AC3E}">
-        <p14:creationId xmlns:p14="http://schemas.microsoft.com/office/powerpoint/2010/main" val="4219721425"/>
+        <p14:creationId xmlns:p14="http://schemas.microsoft.com/office/powerpoint/2010/main" val="724126419"/>
       </p:ext>
     </p:extLst>
   </p:cSld>
   <p:clrMapOvr>
     <a:masterClrMapping/>
   </p:clrMapOvr>
-  <mc:AlternateContent xmlns:mc="http://schemas.openxmlformats.org/markup-compatibility/2006">
-    <mc:Choice xmlns:p14="http://schemas.microsoft.com/office/powerpoint/2010/main" Requires="p14">
-      <p:transition spd="slow" p14:dur="2000" advTm="455"/>
-    </mc:Choice>
-    <mc:Fallback>
-      <p:transition spd="slow" advTm="455"/>
-    </mc:Fallback>
-  </mc:AlternateContent>
 </p:sld>
 </file>
 
@@ -5665,6 +5596,103 @@
           <p:cNvPr id="2" name="タイトル 1">
             <a:extLst>
               <a:ext uri="{FF2B5EF4-FFF2-40B4-BE49-F238E27FC236}">
+                <a16:creationId xmlns:a16="http://schemas.microsoft.com/office/drawing/2014/main" id="{4C6E10F4-1B9C-4B79-BAC2-229C5B5575D2}"/>
+              </a:ext>
+            </a:extLst>
+          </p:cNvPr>
+          <p:cNvSpPr>
+            <a:spLocks noGrp="1"/>
+          </p:cNvSpPr>
+          <p:nvPr>
+            <p:ph type="ctrTitle"/>
+          </p:nvPr>
+        </p:nvSpPr>
+        <p:spPr/>
+        <p:txBody>
+          <a:bodyPr/>
+          <a:lstStyle/>
+          <a:p>
+            <a:r>
+              <a:rPr kumimoji="1" lang="ja-JP" altLang="en-US" dirty="0"/>
+              <a:t>デモンストレーション</a:t>
+            </a:r>
+          </a:p>
+        </p:txBody>
+      </p:sp>
+      <p:sp>
+        <p:nvSpPr>
+          <p:cNvPr id="10" name="コンテンツ プレースホルダー 9">
+            <a:extLst>
+              <a:ext uri="{FF2B5EF4-FFF2-40B4-BE49-F238E27FC236}">
+                <a16:creationId xmlns:a16="http://schemas.microsoft.com/office/drawing/2014/main" id="{3E073A2C-CDB5-420E-A467-CE5948014CB4}"/>
+              </a:ext>
+            </a:extLst>
+          </p:cNvPr>
+          <p:cNvSpPr>
+            <a:spLocks noGrp="1"/>
+          </p:cNvSpPr>
+          <p:nvPr>
+            <p:ph type="subTitle" idx="1"/>
+          </p:nvPr>
+        </p:nvSpPr>
+        <p:spPr/>
+        <p:txBody>
+          <a:bodyPr/>
+          <a:lstStyle/>
+          <a:p>
+            <a:pPr marL="0" indent="0">
+              <a:buNone/>
+            </a:pPr>
+            <a:endParaRPr lang="en-US" altLang="ja-JP" dirty="0"/>
+          </a:p>
+          <a:p>
+            <a:endParaRPr lang="en-US" altLang="ja-JP" dirty="0"/>
+          </a:p>
+        </p:txBody>
+      </p:sp>
+    </p:spTree>
+    <p:extLst>
+      <p:ext uri="{BB962C8B-B14F-4D97-AF65-F5344CB8AC3E}">
+        <p14:creationId xmlns:p14="http://schemas.microsoft.com/office/powerpoint/2010/main" val="4219721425"/>
+      </p:ext>
+    </p:extLst>
+  </p:cSld>
+  <p:clrMapOvr>
+    <a:masterClrMapping/>
+  </p:clrMapOvr>
+  <mc:AlternateContent xmlns:mc="http://schemas.openxmlformats.org/markup-compatibility/2006" xmlns:p14="http://schemas.microsoft.com/office/powerpoint/2010/main">
+    <mc:Choice Requires="p14">
+      <p:transition spd="slow" p14:dur="2000" advTm="455"/>
+    </mc:Choice>
+    <mc:Fallback xmlns="">
+      <p:transition spd="slow" advTm="455"/>
+    </mc:Fallback>
+  </mc:AlternateContent>
+</p:sld>
+</file>
+
+<file path=ppt/slides/slide6.xml><?xml version="1.0" encoding="utf-8"?>
+<p:sld xmlns:a="http://schemas.openxmlformats.org/drawingml/2006/main" xmlns:r="http://schemas.openxmlformats.org/officeDocument/2006/relationships" xmlns:p="http://schemas.openxmlformats.org/presentationml/2006/main">
+  <p:cSld>
+    <p:spTree>
+      <p:nvGrpSpPr>
+        <p:cNvPr id="1" name=""/>
+        <p:cNvGrpSpPr/>
+        <p:nvPr/>
+      </p:nvGrpSpPr>
+      <p:grpSpPr>
+        <a:xfrm>
+          <a:off x="0" y="0"/>
+          <a:ext cx="0" cy="0"/>
+          <a:chOff x="0" y="0"/>
+          <a:chExt cx="0" cy="0"/>
+        </a:xfrm>
+      </p:grpSpPr>
+      <p:sp>
+        <p:nvSpPr>
+          <p:cNvPr id="2" name="タイトル 1">
+            <a:extLst>
+              <a:ext uri="{FF2B5EF4-FFF2-40B4-BE49-F238E27FC236}">
                 <a16:creationId xmlns:a16="http://schemas.microsoft.com/office/drawing/2014/main" id="{51F9A77D-5865-4390-927D-E6FE19BA557F}"/>
               </a:ext>
             </a:extLst>
@@ -5682,8 +5710,8 @@
           <a:lstStyle/>
           <a:p>
             <a:r>
-              <a:rPr lang="ja-JP" altLang="en-US" dirty="0"/>
-              <a:t>まとめ</a:t>
+              <a:rPr kumimoji="1" lang="ja-JP" altLang="en-US"/>
+              <a:t>こだわり</a:t>
             </a:r>
             <a:endParaRPr kumimoji="1" lang="ja-JP" altLang="en-US" dirty="0"/>
           </a:p>
@@ -5710,14 +5738,12 @@
           <a:bodyPr/>
           <a:lstStyle/>
           <a:p>
-            <a:r>
-              <a:rPr kumimoji="1" lang="ja-JP" altLang="en-US" dirty="0"/>
-              <a:t>こだわり</a:t>
-            </a:r>
+            <a:pPr marL="0" indent="0">
+              <a:buNone/>
+            </a:pPr>
             <a:endParaRPr kumimoji="1" lang="en-US" altLang="ja-JP" dirty="0"/>
           </a:p>
           <a:p>
-            <a:pPr lvl="1"/>
             <a:r>
               <a:rPr kumimoji="1" lang="en-US" altLang="ja-JP" dirty="0"/>
               <a:t>UI</a:t>
@@ -5726,50 +5752,18 @@
               <a:rPr kumimoji="1" lang="ja-JP" altLang="en-US" dirty="0"/>
               <a:t>デザイン</a:t>
             </a:r>
-            <a:endParaRPr kumimoji="1" lang="en-US" altLang="ja-JP" dirty="0"/>
-          </a:p>
-          <a:p>
-            <a:pPr lvl="1"/>
+          </a:p>
+          <a:p>
             <a:r>
               <a:rPr lang="ja-JP" altLang="en-US" dirty="0"/>
               <a:t>講師評価機能</a:t>
             </a:r>
-            <a:endParaRPr lang="en-US" altLang="ja-JP" dirty="0"/>
-          </a:p>
-          <a:p>
-            <a:pPr lvl="1"/>
+          </a:p>
+          <a:p>
             <a:r>
               <a:rPr kumimoji="1" lang="ja-JP" altLang="en-US" dirty="0"/>
               <a:t>講師選択</a:t>
             </a:r>
-            <a:endParaRPr kumimoji="1" lang="en-US" altLang="ja-JP" dirty="0"/>
-          </a:p>
-          <a:p>
-            <a:r>
-              <a:rPr kumimoji="1" lang="ja-JP" altLang="en-US" dirty="0"/>
-              <a:t>今後の展望</a:t>
-            </a:r>
-            <a:endParaRPr kumimoji="1" lang="en-US" altLang="ja-JP" dirty="0"/>
-          </a:p>
-          <a:p>
-            <a:pPr lvl="1"/>
-            <a:r>
-              <a:rPr kumimoji="1" lang="ja-JP" altLang="en-US" dirty="0"/>
-              <a:t>決済処理の追加</a:t>
-            </a:r>
-            <a:endParaRPr kumimoji="1" lang="en-US" altLang="ja-JP" dirty="0"/>
-          </a:p>
-          <a:p>
-            <a:pPr lvl="1"/>
-            <a:r>
-              <a:rPr lang="en-US" altLang="ja-JP" dirty="0"/>
-              <a:t>AI</a:t>
-            </a:r>
-            <a:r>
-              <a:rPr lang="ja-JP" altLang="en-US" dirty="0"/>
-              <a:t>を活用したセミナーマッチング</a:t>
-            </a:r>
-            <a:endParaRPr kumimoji="1" lang="en-US" altLang="ja-JP" dirty="0"/>
           </a:p>
           <a:p>
             <a:endParaRPr kumimoji="1" lang="ja-JP" altLang="en-US" dirty="0"/>
@@ -5822,14 +5816,122 @@
   <p:clrMapOvr>
     <a:masterClrMapping/>
   </p:clrMapOvr>
-  <mc:AlternateContent xmlns:mc="http://schemas.openxmlformats.org/markup-compatibility/2006">
-    <mc:Choice xmlns:p14="http://schemas.microsoft.com/office/powerpoint/2010/main" Requires="p14">
+  <mc:AlternateContent xmlns:mc="http://schemas.openxmlformats.org/markup-compatibility/2006" xmlns:p14="http://schemas.microsoft.com/office/powerpoint/2010/main">
+    <mc:Choice Requires="p14">
       <p:transition spd="slow" p14:dur="2000" advTm="911"/>
     </mc:Choice>
-    <mc:Fallback>
+    <mc:Fallback xmlns="">
       <p:transition spd="slow" advTm="911"/>
     </mc:Fallback>
   </mc:AlternateContent>
+</p:sld>
+</file>
+
+<file path=ppt/slides/slide7.xml><?xml version="1.0" encoding="utf-8"?>
+<p:sld xmlns:a="http://schemas.openxmlformats.org/drawingml/2006/main" xmlns:r="http://schemas.openxmlformats.org/officeDocument/2006/relationships" xmlns:p="http://schemas.openxmlformats.org/presentationml/2006/main">
+  <p:cSld>
+    <p:spTree>
+      <p:nvGrpSpPr>
+        <p:cNvPr id="1" name=""/>
+        <p:cNvGrpSpPr/>
+        <p:nvPr/>
+      </p:nvGrpSpPr>
+      <p:grpSpPr>
+        <a:xfrm>
+          <a:off x="0" y="0"/>
+          <a:ext cx="0" cy="0"/>
+          <a:chOff x="0" y="0"/>
+          <a:chExt cx="0" cy="0"/>
+        </a:xfrm>
+      </p:grpSpPr>
+      <p:sp>
+        <p:nvSpPr>
+          <p:cNvPr id="2" name="タイトル 1">
+            <a:extLst>
+              <a:ext uri="{FF2B5EF4-FFF2-40B4-BE49-F238E27FC236}">
+                <a16:creationId xmlns:a16="http://schemas.microsoft.com/office/drawing/2014/main" id="{7D4665A7-BC2B-40E4-9999-2188B604F88B}"/>
+              </a:ext>
+            </a:extLst>
+          </p:cNvPr>
+          <p:cNvSpPr>
+            <a:spLocks noGrp="1"/>
+          </p:cNvSpPr>
+          <p:nvPr>
+            <p:ph type="title"/>
+          </p:nvPr>
+        </p:nvSpPr>
+        <p:spPr/>
+        <p:txBody>
+          <a:bodyPr/>
+          <a:lstStyle/>
+          <a:p>
+            <a:r>
+              <a:rPr kumimoji="1" lang="ja-JP" altLang="en-US" dirty="0"/>
+              <a:t>今後の展望</a:t>
+            </a:r>
+          </a:p>
+        </p:txBody>
+      </p:sp>
+      <p:sp>
+        <p:nvSpPr>
+          <p:cNvPr id="3" name="コンテンツ プレースホルダー 2">
+            <a:extLst>
+              <a:ext uri="{FF2B5EF4-FFF2-40B4-BE49-F238E27FC236}">
+                <a16:creationId xmlns:a16="http://schemas.microsoft.com/office/drawing/2014/main" id="{AFE0F148-718F-49FA-B3FA-FF6FF60EBCC9}"/>
+              </a:ext>
+            </a:extLst>
+          </p:cNvPr>
+          <p:cNvSpPr>
+            <a:spLocks noGrp="1"/>
+          </p:cNvSpPr>
+          <p:nvPr>
+            <p:ph idx="1"/>
+          </p:nvPr>
+        </p:nvSpPr>
+        <p:spPr/>
+        <p:txBody>
+          <a:bodyPr/>
+          <a:lstStyle/>
+          <a:p>
+            <a:r>
+              <a:rPr lang="ja-JP" altLang="en-US" dirty="0"/>
+              <a:t>決済処理の追加</a:t>
+            </a:r>
+            <a:endParaRPr lang="en-US" altLang="ja-JP" dirty="0"/>
+          </a:p>
+          <a:p>
+            <a:r>
+              <a:rPr lang="en-US" altLang="ja-JP" dirty="0"/>
+              <a:t>AI</a:t>
+            </a:r>
+            <a:r>
+              <a:rPr lang="ja-JP" altLang="en-US" dirty="0"/>
+              <a:t>を活用したセミナーマッチング</a:t>
+            </a:r>
+            <a:endParaRPr lang="en-US" altLang="ja-JP" dirty="0"/>
+          </a:p>
+          <a:p>
+            <a:r>
+              <a:rPr lang="ja-JP" altLang="en-US" dirty="0"/>
+              <a:t>複数日程の指定</a:t>
+            </a:r>
+            <a:endParaRPr lang="en-US" altLang="ja-JP" dirty="0"/>
+          </a:p>
+          <a:p>
+            <a:endParaRPr kumimoji="1" lang="ja-JP" altLang="en-US" dirty="0"/>
+          </a:p>
+        </p:txBody>
+      </p:sp>
+    </p:spTree>
+    <p:extLst>
+      <p:ext uri="{BB962C8B-B14F-4D97-AF65-F5344CB8AC3E}">
+        <p14:creationId xmlns:p14="http://schemas.microsoft.com/office/powerpoint/2010/main" val="3886209942"/>
+      </p:ext>
+    </p:extLst>
+  </p:cSld>
+  <p:clrMapOvr>
+    <a:masterClrMapping/>
+  </p:clrMapOvr>
 </p:sld>
 </file>
 
